--- a/C-Sharp.pptx
+++ b/C-Sharp.pptx
@@ -5879,7 +5879,7 @@
             </a:r>
             <a:r>
               <a:rPr lang="en-US" smtClean="0"/>
-              <a:t>C++and</a:t>
+              <a:t>C++ and</a:t>
             </a:r>
             <a:r>
               <a:rPr lang="en-US" dirty="0"/>
